--- a/rspamd/rspamd_intro.pptx
+++ b/rspamd/rspamd_intro.pptx
@@ -6,15 +6,16 @@
   </p:sldMasterIdLst>
   <p:sldIdLst>
     <p:sldId id="256" r:id="rId2"/>
-    <p:sldId id="258" r:id="rId3"/>
-    <p:sldId id="259" r:id="rId4"/>
-    <p:sldId id="260" r:id="rId5"/>
-    <p:sldId id="261" r:id="rId6"/>
-    <p:sldId id="262" r:id="rId7"/>
-    <p:sldId id="263" r:id="rId8"/>
-    <p:sldId id="257" r:id="rId9"/>
-    <p:sldId id="264" r:id="rId10"/>
-    <p:sldId id="265" r:id="rId11"/>
+    <p:sldId id="266" r:id="rId3"/>
+    <p:sldId id="258" r:id="rId4"/>
+    <p:sldId id="259" r:id="rId5"/>
+    <p:sldId id="260" r:id="rId6"/>
+    <p:sldId id="261" r:id="rId7"/>
+    <p:sldId id="262" r:id="rId8"/>
+    <p:sldId id="263" r:id="rId9"/>
+    <p:sldId id="257" r:id="rId10"/>
+    <p:sldId id="264" r:id="rId11"/>
+    <p:sldId id="265" r:id="rId12"/>
   </p:sldIdLst>
   <p:sldSz cx="12192000" cy="6858000"/>
   <p:notesSz cx="6858000" cy="9144000"/>
@@ -113,6 +114,11 @@
       </a:defRPr>
     </a:lvl9pPr>
   </p:defaultTextStyle>
+  <p:extLst>
+    <p:ext uri="{EFAFB233-063F-42B5-8137-9DF3F51BA10A}">
+      <p15:sldGuideLst xmlns:p15="http://schemas.microsoft.com/office/powerpoint/2012/main"/>
+    </p:ext>
+  </p:extLst>
 </p:presentation>
 </file>
 
@@ -2794,7 +2800,7 @@
           <a:p>
             <a:fld id="{7B269FE5-13C9-C54A-A85B-0264C6DEEF01}" type="datetimeFigureOut">
               <a:rPr lang="en-US" smtClean="0"/>
-              <a:t>6/13/19</a:t>
+              <a:t>6/14/19</a:t>
             </a:fld>
             <a:endParaRPr lang="en-US"/>
           </a:p>
@@ -2992,7 +2998,7 @@
           <a:p>
             <a:fld id="{7B269FE5-13C9-C54A-A85B-0264C6DEEF01}" type="datetimeFigureOut">
               <a:rPr lang="en-US" smtClean="0"/>
-              <a:t>6/13/19</a:t>
+              <a:t>6/14/19</a:t>
             </a:fld>
             <a:endParaRPr lang="en-US"/>
           </a:p>
@@ -3200,7 +3206,7 @@
           <a:p>
             <a:fld id="{7B269FE5-13C9-C54A-A85B-0264C6DEEF01}" type="datetimeFigureOut">
               <a:rPr lang="en-US" smtClean="0"/>
-              <a:t>6/13/19</a:t>
+              <a:t>6/14/19</a:t>
             </a:fld>
             <a:endParaRPr lang="en-US"/>
           </a:p>
@@ -3398,7 +3404,7 @@
           <a:p>
             <a:fld id="{7B269FE5-13C9-C54A-A85B-0264C6DEEF01}" type="datetimeFigureOut">
               <a:rPr lang="en-US" smtClean="0"/>
-              <a:t>6/13/19</a:t>
+              <a:t>6/14/19</a:t>
             </a:fld>
             <a:endParaRPr lang="en-US"/>
           </a:p>
@@ -3673,7 +3679,7 @@
           <a:p>
             <a:fld id="{7B269FE5-13C9-C54A-A85B-0264C6DEEF01}" type="datetimeFigureOut">
               <a:rPr lang="en-US" smtClean="0"/>
-              <a:t>6/13/19</a:t>
+              <a:t>6/14/19</a:t>
             </a:fld>
             <a:endParaRPr lang="en-US"/>
           </a:p>
@@ -3938,7 +3944,7 @@
           <a:p>
             <a:fld id="{7B269FE5-13C9-C54A-A85B-0264C6DEEF01}" type="datetimeFigureOut">
               <a:rPr lang="en-US" smtClean="0"/>
-              <a:t>6/13/19</a:t>
+              <a:t>6/14/19</a:t>
             </a:fld>
             <a:endParaRPr lang="en-US"/>
           </a:p>
@@ -4350,7 +4356,7 @@
           <a:p>
             <a:fld id="{7B269FE5-13C9-C54A-A85B-0264C6DEEF01}" type="datetimeFigureOut">
               <a:rPr lang="en-US" smtClean="0"/>
-              <a:t>6/13/19</a:t>
+              <a:t>6/14/19</a:t>
             </a:fld>
             <a:endParaRPr lang="en-US"/>
           </a:p>
@@ -4491,7 +4497,7 @@
           <a:p>
             <a:fld id="{7B269FE5-13C9-C54A-A85B-0264C6DEEF01}" type="datetimeFigureOut">
               <a:rPr lang="en-US" smtClean="0"/>
-              <a:t>6/13/19</a:t>
+              <a:t>6/14/19</a:t>
             </a:fld>
             <a:endParaRPr lang="en-US"/>
           </a:p>
@@ -4604,7 +4610,7 @@
           <a:p>
             <a:fld id="{7B269FE5-13C9-C54A-A85B-0264C6DEEF01}" type="datetimeFigureOut">
               <a:rPr lang="en-US" smtClean="0"/>
-              <a:t>6/13/19</a:t>
+              <a:t>6/14/19</a:t>
             </a:fld>
             <a:endParaRPr lang="en-US"/>
           </a:p>
@@ -4915,7 +4921,7 @@
           <a:p>
             <a:fld id="{7B269FE5-13C9-C54A-A85B-0264C6DEEF01}" type="datetimeFigureOut">
               <a:rPr lang="en-US" smtClean="0"/>
-              <a:t>6/13/19</a:t>
+              <a:t>6/14/19</a:t>
             </a:fld>
             <a:endParaRPr lang="en-US"/>
           </a:p>
@@ -5203,7 +5209,7 @@
           <a:p>
             <a:fld id="{7B269FE5-13C9-C54A-A85B-0264C6DEEF01}" type="datetimeFigureOut">
               <a:rPr lang="en-US" smtClean="0"/>
-              <a:t>6/13/19</a:t>
+              <a:t>6/14/19</a:t>
             </a:fld>
             <a:endParaRPr lang="en-US"/>
           </a:p>
@@ -5444,7 +5450,7 @@
           <a:p>
             <a:fld id="{7B269FE5-13C9-C54A-A85B-0264C6DEEF01}" type="datetimeFigureOut">
               <a:rPr lang="en-US" smtClean="0"/>
-              <a:t>6/13/19</a:t>
+              <a:t>6/14/19</a:t>
             </a:fld>
             <a:endParaRPr lang="en-US"/>
           </a:p>
@@ -5883,7 +5889,7 @@
           <a:lstStyle/>
           <a:p>
             <a:r>
-              <a:rPr lang="en-US" dirty="0"/>
+              <a:rPr lang="en-US" b="1" dirty="0"/>
               <a:t>Quick RSPAMD Mail Gateway Intro</a:t>
             </a:r>
           </a:p>
@@ -5937,6 +5943,124 @@
 </file>
 
 <file path=ppt/slides/slide10.xml><?xml version="1.0" encoding="utf-8"?>
+<p:sld xmlns:a="http://schemas.openxmlformats.org/drawingml/2006/main" xmlns:r="http://schemas.openxmlformats.org/officeDocument/2006/relationships" xmlns:p="http://schemas.openxmlformats.org/presentationml/2006/main">
+  <p:cSld>
+    <p:spTree>
+      <p:nvGrpSpPr>
+        <p:cNvPr id="1" name=""/>
+        <p:cNvGrpSpPr/>
+        <p:nvPr/>
+      </p:nvGrpSpPr>
+      <p:grpSpPr>
+        <a:xfrm>
+          <a:off x="0" y="0"/>
+          <a:ext cx="0" cy="0"/>
+          <a:chOff x="0" y="0"/>
+          <a:chExt cx="0" cy="0"/>
+        </a:xfrm>
+      </p:grpSpPr>
+      <p:sp>
+        <p:nvSpPr>
+          <p:cNvPr id="2" name="Title 1">
+            <a:extLst>
+              <a:ext uri="{FF2B5EF4-FFF2-40B4-BE49-F238E27FC236}">
+                <a16:creationId xmlns:a16="http://schemas.microsoft.com/office/drawing/2014/main" id="{1E2E6131-56BD-744C-AE25-DF03D794CA2C}"/>
+              </a:ext>
+            </a:extLst>
+          </p:cNvPr>
+          <p:cNvSpPr>
+            <a:spLocks noGrp="1"/>
+          </p:cNvSpPr>
+          <p:nvPr>
+            <p:ph type="title"/>
+          </p:nvPr>
+        </p:nvSpPr>
+        <p:spPr/>
+        <p:txBody>
+          <a:bodyPr/>
+          <a:lstStyle/>
+          <a:p>
+            <a:r>
+              <a:rPr lang="en-US" b="1" dirty="0"/>
+              <a:t>What Can RSPAMD do?</a:t>
+            </a:r>
+          </a:p>
+        </p:txBody>
+      </p:sp>
+      <p:sp>
+        <p:nvSpPr>
+          <p:cNvPr id="3" name="Content Placeholder 2">
+            <a:extLst>
+              <a:ext uri="{FF2B5EF4-FFF2-40B4-BE49-F238E27FC236}">
+                <a16:creationId xmlns:a16="http://schemas.microsoft.com/office/drawing/2014/main" id="{561137AF-6F02-D348-BC53-6F25760C3A90}"/>
+              </a:ext>
+            </a:extLst>
+          </p:cNvPr>
+          <p:cNvSpPr>
+            <a:spLocks noGrp="1"/>
+          </p:cNvSpPr>
+          <p:nvPr>
+            <p:ph idx="1"/>
+          </p:nvPr>
+        </p:nvSpPr>
+        <p:spPr/>
+        <p:txBody>
+          <a:bodyPr/>
+          <a:lstStyle/>
+          <a:p>
+            <a:r>
+              <a:rPr lang="en-US" dirty="0">
+                <a:hlinkClick r:id="rId2"/>
+              </a:rPr>
+              <a:t>https://rspamd.com/features.html</a:t>
+            </a:r>
+            <a:r>
+              <a:rPr lang="en-US" dirty="0"/>
+              <a:t> </a:t>
+            </a:r>
+          </a:p>
+          <a:p>
+            <a:r>
+              <a:rPr lang="en-US" dirty="0"/>
+              <a:t>Check emails for DKIM, DMARC, SPF, IP Address reputation, </a:t>
+            </a:r>
+            <a:r>
+              <a:rPr lang="en-US" dirty="0" err="1"/>
+              <a:t>Greylisting</a:t>
+            </a:r>
+            <a:r>
+              <a:rPr lang="en-US" dirty="0"/>
+              <a:t>, Rate limiting and much more</a:t>
+            </a:r>
+          </a:p>
+          <a:p>
+            <a:r>
+              <a:rPr lang="en-US" dirty="0"/>
+              <a:t>Has a web interface for easy reports gathering</a:t>
+            </a:r>
+          </a:p>
+          <a:p>
+            <a:r>
+              <a:rPr lang="en-US" dirty="0"/>
+              <a:t>It works pretty well with default configuration but needs a lot of reading and testing to unlock its full potential</a:t>
+            </a:r>
+          </a:p>
+        </p:txBody>
+      </p:sp>
+    </p:spTree>
+    <p:extLst>
+      <p:ext uri="{BB962C8B-B14F-4D97-AF65-F5344CB8AC3E}">
+        <p14:creationId xmlns:p14="http://schemas.microsoft.com/office/powerpoint/2010/main" val="970019835"/>
+      </p:ext>
+    </p:extLst>
+  </p:cSld>
+  <p:clrMapOvr>
+    <a:masterClrMapping/>
+  </p:clrMapOvr>
+</p:sld>
+</file>
+
+<file path=ppt/slides/slide11.xml><?xml version="1.0" encoding="utf-8"?>
 <p:sld xmlns:a="http://schemas.openxmlformats.org/drawingml/2006/main" xmlns:r="http://schemas.openxmlformats.org/officeDocument/2006/relationships" xmlns:p="http://schemas.openxmlformats.org/presentationml/2006/main">
   <p:cSld>
     <p:spTree>
@@ -6469,7 +6593,13 @@
       </p:grpSpPr>
       <p:sp>
         <p:nvSpPr>
-          <p:cNvPr id="2" name="Title 1"/>
+          <p:cNvPr id="2" name="Title 1">
+            <a:extLst>
+              <a:ext uri="{FF2B5EF4-FFF2-40B4-BE49-F238E27FC236}">
+                <a16:creationId xmlns:a16="http://schemas.microsoft.com/office/drawing/2014/main" id="{EE58C71F-0B7A-AC45-885A-5822D3B6CC7B}"/>
+              </a:ext>
+            </a:extLst>
+          </p:cNvPr>
           <p:cNvSpPr>
             <a:spLocks noGrp="1"/>
           </p:cNvSpPr>
@@ -6484,14 +6614,20 @@
           <a:p>
             <a:r>
               <a:rPr lang="en-US" b="1" dirty="0"/>
-              <a:t>What is a Mail Gateway?</a:t>
-            </a:r>
-          </a:p>
-        </p:txBody>
-      </p:sp>
-      <p:sp>
-        <p:nvSpPr>
-          <p:cNvPr id="3" name="Content Placeholder 2"/>
+              <a:t>First a recap</a:t>
+            </a:r>
+          </a:p>
+        </p:txBody>
+      </p:sp>
+      <p:sp>
+        <p:nvSpPr>
+          <p:cNvPr id="3" name="Content Placeholder 2">
+            <a:extLst>
+              <a:ext uri="{FF2B5EF4-FFF2-40B4-BE49-F238E27FC236}">
+                <a16:creationId xmlns:a16="http://schemas.microsoft.com/office/drawing/2014/main" id="{A7CF48DF-43E0-5F41-A506-161B130024E1}"/>
+              </a:ext>
+            </a:extLst>
+          </p:cNvPr>
           <p:cNvSpPr>
             <a:spLocks noGrp="1"/>
           </p:cNvSpPr>
@@ -6501,40 +6637,87 @@
         </p:nvSpPr>
         <p:spPr/>
         <p:txBody>
-          <a:bodyPr>
-            <a:normAutofit/>
-          </a:bodyPr>
+          <a:bodyPr/>
           <a:lstStyle/>
           <a:p>
             <a:r>
               <a:rPr lang="en-US" dirty="0"/>
-              <a:t>A software/service/appliance that is able to receive and filter emails before they reach the email boxes</a:t>
-            </a:r>
-          </a:p>
-          <a:p>
+              <a:t>Postfix is our MDA/MTA and SMTP Server – </a:t>
+            </a:r>
+          </a:p>
+          <a:p>
+            <a:pPr lvl="1"/>
             <a:r>
               <a:rPr lang="en-US" dirty="0"/>
-              <a:t>Typically, a mail gateway will not contain mail box accounts and will only receive emails, filter them based on configured parameters, and then forward them to the mail server that contains the mailboxes</a:t>
-            </a:r>
-          </a:p>
-          <a:p>
+              <a:t>It works on port 25 (SMTP</a:t>
+            </a:r>
+          </a:p>
+          <a:p>
+            <a:pPr lvl="1"/>
             <a:r>
               <a:rPr lang="en-US" dirty="0"/>
-              <a:t>The purpose is to remove dangerous or harmful content (like spam and viruses) on email before they reach user boxes</a:t>
+              <a:t>it will send and receive emails but users wont be able to read them</a:t>
             </a:r>
           </a:p>
           <a:p>
             <a:r>
               <a:rPr lang="en-US" dirty="0"/>
-              <a:t>A mail filter can process incoming emails and or outgoing emails</a:t>
-            </a:r>
+              <a:t>Dovecot is our IMAP and POP3 server</a:t>
+            </a:r>
+          </a:p>
+          <a:p>
+            <a:pPr lvl="1"/>
+            <a:r>
+              <a:rPr lang="en-US" dirty="0"/>
+              <a:t>It allows users to check their emails</a:t>
+            </a:r>
+          </a:p>
+          <a:p>
+            <a:pPr lvl="1"/>
+            <a:r>
+              <a:rPr lang="en-US" dirty="0"/>
+              <a:t>Dovecot allows users to read but not send emails</a:t>
+            </a:r>
+          </a:p>
+          <a:p>
+            <a:r>
+              <a:rPr lang="en-US" dirty="0" err="1"/>
+              <a:t>Rainloop</a:t>
+            </a:r>
+            <a:r>
+              <a:rPr lang="en-US" dirty="0"/>
+              <a:t> is a IMAP web client</a:t>
+            </a:r>
+          </a:p>
+          <a:p>
+            <a:pPr lvl="1"/>
+            <a:r>
+              <a:rPr lang="en-US" dirty="0"/>
+              <a:t>It will not work without an IMAP server </a:t>
+            </a:r>
+            <a:r>
+              <a:rPr lang="en-US"/>
+              <a:t>(Dovecot)</a:t>
+            </a:r>
+            <a:endParaRPr lang="en-US" dirty="0"/>
+          </a:p>
+          <a:p>
+            <a:pPr lvl="1"/>
+            <a:r>
+              <a:rPr lang="en-US" dirty="0"/>
+              <a:t>It will not send emails without Postfix</a:t>
+            </a:r>
+          </a:p>
+          <a:p>
+            <a:pPr lvl="1"/>
+            <a:endParaRPr lang="en-US" dirty="0"/>
           </a:p>
         </p:txBody>
       </p:sp>
     </p:spTree>
     <p:extLst>
       <p:ext uri="{BB962C8B-B14F-4D97-AF65-F5344CB8AC3E}">
-        <p14:creationId xmlns:p14="http://schemas.microsoft.com/office/powerpoint/2010/main" val="4108986576"/>
+        <p14:creationId xmlns:p14="http://schemas.microsoft.com/office/powerpoint/2010/main" val="170068500"/>
       </p:ext>
     </p:extLst>
   </p:cSld>
@@ -6578,33 +6761,57 @@
           <a:p>
             <a:r>
               <a:rPr lang="en-US" b="1" dirty="0"/>
-              <a:t>How it flows</a:t>
-            </a:r>
-          </a:p>
-        </p:txBody>
-      </p:sp>
-      <p:graphicFrame>
-        <p:nvGraphicFramePr>
-          <p:cNvPr id="5" name="Diagram 4"/>
-          <p:cNvGraphicFramePr/>
-          <p:nvPr>
-            <p:extLst/>
-          </p:nvPr>
-        </p:nvGraphicFramePr>
-        <p:xfrm>
-          <a:off x="1981199" y="1397000"/>
-          <a:ext cx="8390468" cy="4797778"/>
-        </p:xfrm>
-        <a:graphic>
-          <a:graphicData uri="http://schemas.openxmlformats.org/drawingml/2006/diagram">
-            <dgm:relIds xmlns:dgm="http://schemas.openxmlformats.org/drawingml/2006/diagram" xmlns:r="http://schemas.openxmlformats.org/officeDocument/2006/relationships" r:dm="rId2" r:lo="rId3" r:qs="rId4" r:cs="rId5"/>
-          </a:graphicData>
-        </a:graphic>
-      </p:graphicFrame>
+              <a:t>What is a Mail Gateway?</a:t>
+            </a:r>
+          </a:p>
+        </p:txBody>
+      </p:sp>
+      <p:sp>
+        <p:nvSpPr>
+          <p:cNvPr id="3" name="Content Placeholder 2"/>
+          <p:cNvSpPr>
+            <a:spLocks noGrp="1"/>
+          </p:cNvSpPr>
+          <p:nvPr>
+            <p:ph idx="1"/>
+          </p:nvPr>
+        </p:nvSpPr>
+        <p:spPr/>
+        <p:txBody>
+          <a:bodyPr>
+            <a:normAutofit/>
+          </a:bodyPr>
+          <a:lstStyle/>
+          <a:p>
+            <a:r>
+              <a:rPr lang="en-US" dirty="0"/>
+              <a:t>A software/service/appliance that is able to receive and filter emails before they reach the email boxes</a:t>
+            </a:r>
+          </a:p>
+          <a:p>
+            <a:r>
+              <a:rPr lang="en-US" dirty="0"/>
+              <a:t>Typically, a mail gateway will not contain mail box accounts and will only receive emails, filter them based on configured parameters, and then forward them to the mail server that contains the mailboxes</a:t>
+            </a:r>
+          </a:p>
+          <a:p>
+            <a:r>
+              <a:rPr lang="en-US" dirty="0"/>
+              <a:t>The purpose is to remove dangerous or harmful content (like spam and viruses) on email before they reach user boxes</a:t>
+            </a:r>
+          </a:p>
+          <a:p>
+            <a:r>
+              <a:rPr lang="en-US" dirty="0"/>
+              <a:t>A mail filter can process incoming emails and or outgoing emails</a:t>
+            </a:r>
+          </a:p>
+        </p:txBody>
+      </p:sp>
     </p:spTree>
     <p:extLst>
       <p:ext uri="{BB962C8B-B14F-4D97-AF65-F5344CB8AC3E}">
-        <p14:creationId xmlns:p14="http://schemas.microsoft.com/office/powerpoint/2010/main" val="2471531218"/>
+        <p14:creationId xmlns:p14="http://schemas.microsoft.com/office/powerpoint/2010/main" val="4108986576"/>
       </p:ext>
     </p:extLst>
   </p:cSld>
@@ -6648,72 +6855,33 @@
           <a:p>
             <a:r>
               <a:rPr lang="en-US" b="1" dirty="0"/>
-              <a:t>Advantages</a:t>
-            </a:r>
-          </a:p>
-        </p:txBody>
-      </p:sp>
-      <p:sp>
-        <p:nvSpPr>
-          <p:cNvPr id="3" name="Content Placeholder 2"/>
-          <p:cNvSpPr>
-            <a:spLocks noGrp="1"/>
-          </p:cNvSpPr>
-          <p:nvPr>
-            <p:ph idx="1"/>
-          </p:nvPr>
-        </p:nvSpPr>
-        <p:spPr/>
-        <p:txBody>
-          <a:bodyPr>
-            <a:normAutofit/>
-          </a:bodyPr>
-          <a:lstStyle/>
-          <a:p>
-            <a:r>
-              <a:rPr lang="en-US" dirty="0"/>
-              <a:t>Remove harmful email before it reaches mail boxes</a:t>
-            </a:r>
-          </a:p>
-          <a:p>
-            <a:pPr lvl="1"/>
-            <a:r>
-              <a:rPr lang="en-US" dirty="0"/>
-              <a:t>Phishing emails, malware, viruses </a:t>
-            </a:r>
-            <a:r>
-              <a:rPr lang="en-US" dirty="0" err="1"/>
-              <a:t>etc</a:t>
-            </a:r>
-            <a:endParaRPr lang="en-US" dirty="0"/>
-          </a:p>
-          <a:p>
-            <a:r>
-              <a:rPr lang="en-US" dirty="0"/>
-              <a:t>Remove the work of filtering email from the server that is handling email boxes</a:t>
-            </a:r>
-          </a:p>
-          <a:p>
-            <a:r>
-              <a:rPr lang="en-US" dirty="0"/>
-              <a:t>Highly configurable and can block emails based on a number of criteria including content that is in the body of the email</a:t>
-            </a:r>
-          </a:p>
-          <a:p>
-            <a:r>
-              <a:rPr lang="en-US" dirty="0"/>
-              <a:t>If hosted outside the network, can reduce load on the network connection/link (also known as far side scrubbing)</a:t>
-            </a:r>
-          </a:p>
-          <a:p>
-            <a:endParaRPr lang="en-US" dirty="0"/>
-          </a:p>
-        </p:txBody>
-      </p:sp>
+              <a:t>How it flows</a:t>
+            </a:r>
+          </a:p>
+        </p:txBody>
+      </p:sp>
+      <p:graphicFrame>
+        <p:nvGraphicFramePr>
+          <p:cNvPr id="5" name="Diagram 4"/>
+          <p:cNvGraphicFramePr/>
+          <p:nvPr>
+            <p:extLst/>
+          </p:nvPr>
+        </p:nvGraphicFramePr>
+        <p:xfrm>
+          <a:off x="1981199" y="1397000"/>
+          <a:ext cx="8390468" cy="4797778"/>
+        </p:xfrm>
+        <a:graphic>
+          <a:graphicData uri="http://schemas.openxmlformats.org/drawingml/2006/diagram">
+            <dgm:relIds xmlns:dgm="http://schemas.openxmlformats.org/drawingml/2006/diagram" xmlns:r="http://schemas.openxmlformats.org/officeDocument/2006/relationships" r:dm="rId2" r:lo="rId3" r:qs="rId4" r:cs="rId5"/>
+          </a:graphicData>
+        </a:graphic>
+      </p:graphicFrame>
     </p:spTree>
     <p:extLst>
       <p:ext uri="{BB962C8B-B14F-4D97-AF65-F5344CB8AC3E}">
-        <p14:creationId xmlns:p14="http://schemas.microsoft.com/office/powerpoint/2010/main" val="3032321515"/>
+        <p14:creationId xmlns:p14="http://schemas.microsoft.com/office/powerpoint/2010/main" val="2471531218"/>
       </p:ext>
     </p:extLst>
   </p:cSld>
@@ -6757,7 +6925,7 @@
           <a:p>
             <a:r>
               <a:rPr lang="en-US" b="1" dirty="0"/>
-              <a:t>Disadvantages</a:t>
+              <a:t>Advantages</a:t>
             </a:r>
           </a:p>
         </p:txBody>
@@ -6774,32 +6942,47 @@
         </p:nvSpPr>
         <p:spPr/>
         <p:txBody>
-          <a:bodyPr/>
+          <a:bodyPr>
+            <a:normAutofit/>
+          </a:bodyPr>
           <a:lstStyle/>
           <a:p>
             <a:r>
               <a:rPr lang="en-US" dirty="0"/>
-              <a:t>Mistakes in configuration may mean mail is not delivered. They are highly </a:t>
+              <a:t>Remove harmful email before it reaches mail boxes</a:t>
+            </a:r>
+          </a:p>
+          <a:p>
+            <a:pPr lvl="1"/>
+            <a:r>
+              <a:rPr lang="en-US" dirty="0"/>
+              <a:t>Phishing emails, malware, viruses </a:t>
             </a:r>
             <a:r>
               <a:rPr lang="en-US" dirty="0" err="1"/>
-              <a:t>customisable</a:t>
-            </a:r>
+              <a:t>etc</a:t>
+            </a:r>
+            <a:endParaRPr lang="en-US" dirty="0"/>
+          </a:p>
+          <a:p>
             <a:r>
               <a:rPr lang="en-US" dirty="0"/>
-              <a:t> with hundreds of options and parameters which you must be careful with</a:t>
+              <a:t>Remove the work of filtering email from the server that is handling email boxes</a:t>
             </a:r>
           </a:p>
           <a:p>
             <a:r>
               <a:rPr lang="en-US" dirty="0"/>
-              <a:t>Increase the number of email servers to be managed</a:t>
-            </a:r>
-          </a:p>
-          <a:p>
-            <a:pPr marL="0" indent="0">
-              <a:buNone/>
-            </a:pPr>
+              <a:t>Highly configurable and can block emails based on a number of criteria including content that is in the body of the email</a:t>
+            </a:r>
+          </a:p>
+          <a:p>
+            <a:r>
+              <a:rPr lang="en-US" dirty="0"/>
+              <a:t>If hosted outside the network, can reduce load on the network connection/link (also known as far side scrubbing)</a:t>
+            </a:r>
+          </a:p>
+          <a:p>
             <a:endParaRPr lang="en-US" dirty="0"/>
           </a:p>
         </p:txBody>
@@ -6807,7 +6990,7 @@
     </p:spTree>
     <p:extLst>
       <p:ext uri="{BB962C8B-B14F-4D97-AF65-F5344CB8AC3E}">
-        <p14:creationId xmlns:p14="http://schemas.microsoft.com/office/powerpoint/2010/main" val="468826662"/>
+        <p14:creationId xmlns:p14="http://schemas.microsoft.com/office/powerpoint/2010/main" val="3032321515"/>
       </p:ext>
     </p:extLst>
   </p:cSld>
@@ -6844,21 +7027,14 @@
             <p:ph type="title"/>
           </p:nvPr>
         </p:nvSpPr>
-        <p:spPr>
-          <a:xfrm>
-            <a:off x="1981200" y="156334"/>
-            <a:ext cx="8229600" cy="1143000"/>
-          </a:xfrm>
-        </p:spPr>
-        <p:txBody>
-          <a:bodyPr>
-            <a:normAutofit fontScale="90000"/>
-          </a:bodyPr>
+        <p:spPr/>
+        <p:txBody>
+          <a:bodyPr/>
           <a:lstStyle/>
           <a:p>
             <a:r>
               <a:rPr lang="en-US" b="1" dirty="0"/>
-              <a:t>Common tools used in Mail Gateways</a:t>
+              <a:t>Disadvantages</a:t>
             </a:r>
           </a:p>
         </p:txBody>
@@ -6873,100 +7049,34 @@
             <p:ph idx="1"/>
           </p:nvPr>
         </p:nvSpPr>
-        <p:spPr>
-          <a:xfrm>
-            <a:off x="1981200" y="1299335"/>
-            <a:ext cx="8229600" cy="4826829"/>
-          </a:xfrm>
-        </p:spPr>
-        <p:txBody>
-          <a:bodyPr>
-            <a:normAutofit/>
-          </a:bodyPr>
+        <p:spPr/>
+        <p:txBody>
+          <a:bodyPr/>
           <a:lstStyle/>
           <a:p>
             <a:r>
-              <a:rPr lang="en-US" i="1" u="sng" dirty="0" err="1"/>
-              <a:t>Spamassassin</a:t>
-            </a:r>
-            <a:r>
               <a:rPr lang="en-US" dirty="0"/>
-              <a:t> – No. 1 Open Source anti-spam platform giving system administrators a filter to classify email and block spam (unsolicited bulk email)</a:t>
-            </a:r>
-          </a:p>
-          <a:p>
-            <a:r>
-              <a:rPr lang="en-US" i="1" u="sng" dirty="0" err="1"/>
-              <a:t>ClamAV</a:t>
+              <a:t>Mistakes in configuration may mean mail is not delivered. They are highly </a:t>
+            </a:r>
+            <a:r>
+              <a:rPr lang="en-US" dirty="0" err="1"/>
+              <a:t>customisable</a:t>
             </a:r>
             <a:r>
               <a:rPr lang="en-US" dirty="0"/>
-              <a:t> – Virus scanning software. Can be used for email scanning and web scanning</a:t>
-            </a:r>
-          </a:p>
-          <a:p>
-            <a:r>
-              <a:rPr lang="en-US" i="1" u="sng" dirty="0" err="1"/>
-              <a:t>Amavisd</a:t>
-            </a:r>
+              <a:t> with hundreds of options and parameters which you must be careful with</a:t>
+            </a:r>
+          </a:p>
+          <a:p>
             <a:r>
               <a:rPr lang="en-US" dirty="0"/>
-              <a:t> – interface between the MTA and the above tools. A common mail filtering installation with </a:t>
-            </a:r>
-            <a:r>
-              <a:rPr lang="en-US" i="1" dirty="0" err="1"/>
-              <a:t>Amavis</a:t>
-            </a:r>
-            <a:r>
-              <a:rPr lang="en-US" dirty="0"/>
-              <a:t> consists of an MTA, </a:t>
-            </a:r>
-            <a:r>
-              <a:rPr lang="en-US" dirty="0" err="1"/>
-              <a:t>ClamAV</a:t>
-            </a:r>
-            <a:r>
-              <a:rPr lang="en-US" dirty="0"/>
-              <a:t> and </a:t>
-            </a:r>
-            <a:r>
-              <a:rPr lang="en-US" dirty="0" err="1"/>
-              <a:t>Spamassassin</a:t>
-            </a:r>
-            <a:endParaRPr lang="en-US" dirty="0"/>
-          </a:p>
-          <a:p>
-            <a:r>
-              <a:rPr lang="en-US" i="1" u="sng" dirty="0" err="1"/>
-              <a:t>MailScanner</a:t>
-            </a:r>
-            <a:r>
-              <a:rPr lang="en-US" dirty="0"/>
-              <a:t> - open source email security system design for Linux-based email gateways</a:t>
-            </a:r>
-          </a:p>
-          <a:p>
-            <a:r>
-              <a:rPr lang="en-US" i="1" dirty="0" err="1"/>
-              <a:t>Rspamd</a:t>
-            </a:r>
-            <a:r>
-              <a:rPr lang="en-US" i="1" dirty="0"/>
-              <a:t> – </a:t>
-            </a:r>
-            <a:r>
-              <a:rPr lang="en-US" dirty="0"/>
-              <a:t>Powerful anti-spam software</a:t>
-            </a:r>
-            <a:endParaRPr lang="en-US" i="1" dirty="0"/>
-          </a:p>
-          <a:p>
-            <a:endParaRPr lang="en-US" dirty="0"/>
-          </a:p>
-          <a:p>
-            <a:endParaRPr lang="en-US" dirty="0"/>
-          </a:p>
-          <a:p>
+              <a:t>Increase the number of email servers to be managed</a:t>
+            </a:r>
+          </a:p>
+          <a:p>
+            <a:pPr marL="0" indent="0">
+              <a:buNone/>
+            </a:pPr>
             <a:endParaRPr lang="en-US" dirty="0"/>
           </a:p>
         </p:txBody>
@@ -6974,7 +7084,7 @@
     </p:spTree>
     <p:extLst>
       <p:ext uri="{BB962C8B-B14F-4D97-AF65-F5344CB8AC3E}">
-        <p14:creationId xmlns:p14="http://schemas.microsoft.com/office/powerpoint/2010/main" val="571574876"/>
+        <p14:creationId xmlns:p14="http://schemas.microsoft.com/office/powerpoint/2010/main" val="468826662"/>
       </p:ext>
     </p:extLst>
   </p:cSld>
@@ -7013,17 +7123,19 @@
         </p:nvSpPr>
         <p:spPr>
           <a:xfrm>
-            <a:off x="1981200" y="91193"/>
+            <a:off x="1981200" y="156334"/>
             <a:ext cx="8229600" cy="1143000"/>
           </a:xfrm>
         </p:spPr>
         <p:txBody>
-          <a:bodyPr/>
+          <a:bodyPr>
+            <a:normAutofit fontScale="90000"/>
+          </a:bodyPr>
           <a:lstStyle/>
           <a:p>
             <a:r>
               <a:rPr lang="en-US" b="1" dirty="0"/>
-              <a:t>Mail Gateway Appliances</a:t>
+              <a:t>Common tools used in Mail Gateways</a:t>
             </a:r>
           </a:p>
         </p:txBody>
@@ -7040,8 +7152,8 @@
         </p:nvSpPr>
         <p:spPr>
           <a:xfrm>
-            <a:off x="1735668" y="1171223"/>
-            <a:ext cx="8475133" cy="4954941"/>
+            <a:off x="1981200" y="1299335"/>
+            <a:ext cx="8229600" cy="4826829"/>
           </a:xfrm>
         </p:spPr>
         <p:txBody>
@@ -7050,129 +7162,96 @@
           </a:bodyPr>
           <a:lstStyle/>
           <a:p>
-            <a:pPr marL="0" indent="0">
-              <a:buNone/>
-            </a:pPr>
+            <a:r>
+              <a:rPr lang="en-US" i="1" u="sng" dirty="0" err="1"/>
+              <a:t>Spamassassin</a:t>
+            </a:r>
             <a:r>
               <a:rPr lang="en-US" dirty="0"/>
-              <a:t>These are solutions that can be installed on servers and provide Mail Gateway services</a:t>
-            </a:r>
-          </a:p>
-          <a:p>
+              <a:t> – No. 1 Open Source anti-spam platform giving system administrators a filter to classify email and block spam (unsolicited bulk email)</a:t>
+            </a:r>
+          </a:p>
+          <a:p>
+            <a:r>
+              <a:rPr lang="en-US" i="1" u="sng" dirty="0" err="1"/>
+              <a:t>ClamAV</a:t>
+            </a:r>
             <a:r>
               <a:rPr lang="en-US" dirty="0"/>
-              <a:t>Software:</a:t>
-            </a:r>
-          </a:p>
-          <a:p>
-            <a:pPr lvl="1"/>
+              <a:t> – Virus scanning software. Can be used for email scanning and web scanning</a:t>
+            </a:r>
+          </a:p>
+          <a:p>
+            <a:r>
+              <a:rPr lang="en-US" i="1" u="sng" dirty="0" err="1"/>
+              <a:t>Amavisd</a:t>
+            </a:r>
             <a:r>
               <a:rPr lang="en-US" dirty="0"/>
-              <a:t>Anti Spam SMTP Proxy - </a:t>
-            </a:r>
-            <a:r>
-              <a:rPr lang="en-US" dirty="0">
-                <a:hlinkClick r:id="rId2"/>
-              </a:rPr>
-              <a:t>http://en.wikipedia.org/wiki/Anti-Spam_SMTP_Proxy</a:t>
+              <a:t> – interface between the MTA and the above tools. A common mail filtering installation with </a:t>
+            </a:r>
+            <a:r>
+              <a:rPr lang="en-US" i="1" dirty="0" err="1"/>
+              <a:t>Amavis</a:t>
             </a:r>
             <a:r>
               <a:rPr lang="en-US" dirty="0"/>
-              <a:t> </a:t>
-            </a:r>
-          </a:p>
-          <a:p>
-            <a:pPr lvl="1"/>
+              <a:t> consists of an MTA, </a:t>
+            </a:r>
+            <a:r>
+              <a:rPr lang="en-US" dirty="0" err="1"/>
+              <a:t>ClamAV</a:t>
+            </a:r>
             <a:r>
               <a:rPr lang="en-US" dirty="0"/>
-              <a:t>Mail Border -  </a:t>
-            </a:r>
-            <a:r>
-              <a:rPr lang="en-US" dirty="0">
-                <a:hlinkClick r:id="rId3"/>
-              </a:rPr>
-              <a:t>http://www.mailborder.com/</a:t>
+              <a:t> and </a:t>
+            </a:r>
+            <a:r>
+              <a:rPr lang="en-US" dirty="0" err="1"/>
+              <a:t>Spamassassin</a:t>
+            </a:r>
+            <a:endParaRPr lang="en-US" dirty="0"/>
+          </a:p>
+          <a:p>
+            <a:r>
+              <a:rPr lang="en-US" i="1" u="sng" dirty="0" err="1"/>
+              <a:t>MailScanner</a:t>
             </a:r>
             <a:r>
               <a:rPr lang="en-US" dirty="0"/>
-              <a:t> </a:t>
-            </a:r>
-          </a:p>
-          <a:p>
-            <a:pPr lvl="1"/>
+              <a:t> - open source email security system design for Linux-based email gateways</a:t>
+            </a:r>
+          </a:p>
+          <a:p>
+            <a:r>
+              <a:rPr lang="en-US" i="1" dirty="0" err="1"/>
+              <a:t>Rspamd</a:t>
+            </a:r>
+            <a:r>
+              <a:rPr lang="en-US" i="1" dirty="0"/>
+              <a:t> – </a:t>
+            </a:r>
             <a:r>
               <a:rPr lang="en-US" dirty="0"/>
-              <a:t>ScrolloutF1 - </a:t>
-            </a:r>
-            <a:r>
-              <a:rPr lang="en-US" dirty="0">
-                <a:hlinkClick r:id="rId4"/>
-              </a:rPr>
-              <a:t>http://www.scrolloutf1.com/</a:t>
-            </a:r>
-            <a:r>
-              <a:rPr lang="en-US" dirty="0"/>
-              <a:t> </a:t>
-            </a:r>
-          </a:p>
-          <a:p>
-            <a:pPr lvl="1"/>
-            <a:r>
-              <a:rPr lang="en-US" dirty="0" err="1"/>
-              <a:t>Xeams</a:t>
-            </a:r>
-            <a:r>
-              <a:rPr lang="en-US" dirty="0"/>
-              <a:t> - </a:t>
-            </a:r>
-            <a:r>
-              <a:rPr lang="en-US" dirty="0">
-                <a:hlinkClick r:id="rId5"/>
-              </a:rPr>
-              <a:t>http://www.xeams.com/</a:t>
-            </a:r>
-            <a:r>
-              <a:rPr lang="en-US" dirty="0"/>
-              <a:t> </a:t>
-            </a:r>
-          </a:p>
-          <a:p>
-            <a:r>
-              <a:rPr lang="en-US" dirty="0"/>
-              <a:t>Hardware (</a:t>
-            </a:r>
-            <a:r>
-              <a:rPr lang="en-US" dirty="0" err="1"/>
-              <a:t>Blackbox</a:t>
-            </a:r>
-            <a:r>
-              <a:rPr lang="en-US" dirty="0"/>
-              <a:t>):</a:t>
-            </a:r>
-          </a:p>
-          <a:p>
-            <a:pPr lvl="1"/>
-            <a:r>
-              <a:rPr lang="en-US" dirty="0"/>
-              <a:t>Barracuda - </a:t>
-            </a:r>
-            <a:r>
-              <a:rPr lang="en-US" dirty="0">
-                <a:hlinkClick r:id="rId6"/>
-              </a:rPr>
-              <a:t>https://www.barracuda.com/products/emailsecuritygateway</a:t>
-            </a:r>
-            <a:r>
-              <a:rPr lang="en-US" dirty="0"/>
-              <a:t> </a:t>
-            </a:r>
+              <a:t>Powerful anti-spam software</a:t>
+            </a:r>
+            <a:endParaRPr lang="en-US" i="1" dirty="0"/>
+          </a:p>
+          <a:p>
+            <a:endParaRPr lang="en-US" dirty="0"/>
+          </a:p>
+          <a:p>
+            <a:endParaRPr lang="en-US" dirty="0"/>
+          </a:p>
+          <a:p>
+            <a:endParaRPr lang="en-US" dirty="0"/>
           </a:p>
         </p:txBody>
       </p:sp>
     </p:spTree>
     <p:extLst>
       <p:ext uri="{BB962C8B-B14F-4D97-AF65-F5344CB8AC3E}">
-        <p14:creationId xmlns:p14="http://schemas.microsoft.com/office/powerpoint/2010/main" val="1732953090"/>
+        <p14:creationId xmlns:p14="http://schemas.microsoft.com/office/powerpoint/2010/main" val="571574876"/>
       </p:ext>
     </p:extLst>
   </p:cSld>
@@ -7201,13 +7280,7 @@
       </p:grpSpPr>
       <p:sp>
         <p:nvSpPr>
-          <p:cNvPr id="2" name="Title 1">
-            <a:extLst>
-              <a:ext uri="{FF2B5EF4-FFF2-40B4-BE49-F238E27FC236}">
-                <a16:creationId xmlns:a16="http://schemas.microsoft.com/office/drawing/2014/main" id="{9BF4708C-CCC9-BD4C-A0D2-75896EBB1E94}"/>
-              </a:ext>
-            </a:extLst>
-          </p:cNvPr>
+          <p:cNvPr id="2" name="Title 1"/>
           <p:cNvSpPr>
             <a:spLocks noGrp="1"/>
           </p:cNvSpPr>
@@ -7215,35 +7288,26 @@
             <p:ph type="title"/>
           </p:nvPr>
         </p:nvSpPr>
-        <p:spPr/>
+        <p:spPr>
+          <a:xfrm>
+            <a:off x="1981200" y="91193"/>
+            <a:ext cx="8229600" cy="1143000"/>
+          </a:xfrm>
+        </p:spPr>
         <p:txBody>
           <a:bodyPr/>
           <a:lstStyle/>
           <a:p>
             <a:r>
               <a:rPr lang="en-US" b="1" dirty="0"/>
-              <a:t>What is </a:t>
-            </a:r>
-            <a:r>
-              <a:rPr lang="en-US" b="1" dirty="0" err="1"/>
-              <a:t>Rspamd</a:t>
-            </a:r>
-            <a:r>
-              <a:rPr lang="en-US" b="1" dirty="0"/>
-              <a:t>?</a:t>
-            </a:r>
-          </a:p>
-        </p:txBody>
-      </p:sp>
-      <p:sp>
-        <p:nvSpPr>
-          <p:cNvPr id="3" name="Content Placeholder 2">
-            <a:extLst>
-              <a:ext uri="{FF2B5EF4-FFF2-40B4-BE49-F238E27FC236}">
-                <a16:creationId xmlns:a16="http://schemas.microsoft.com/office/drawing/2014/main" id="{F51169F3-0A7A-5744-83D6-4966C68DC754}"/>
-              </a:ext>
-            </a:extLst>
-          </p:cNvPr>
+              <a:t>Mail Gateway Appliances</a:t>
+            </a:r>
+          </a:p>
+        </p:txBody>
+      </p:sp>
+      <p:sp>
+        <p:nvSpPr>
+          <p:cNvPr id="3" name="Content Placeholder 2"/>
           <p:cNvSpPr>
             <a:spLocks noGrp="1"/>
           </p:cNvSpPr>
@@ -7253,59 +7317,131 @@
         </p:nvSpPr>
         <p:spPr>
           <a:xfrm>
-            <a:off x="838200" y="1475874"/>
-            <a:ext cx="10515600" cy="4989094"/>
+            <a:off x="1735668" y="1171223"/>
+            <a:ext cx="8475133" cy="4954941"/>
           </a:xfrm>
         </p:spPr>
         <p:txBody>
           <a:bodyPr>
-            <a:noAutofit/>
+            <a:normAutofit/>
           </a:bodyPr>
           <a:lstStyle/>
           <a:p>
-            <a:r>
-              <a:rPr lang="en-US" sz="3200" dirty="0"/>
-              <a:t>Its an advanced spam filtering system that allows evaluation of messages by a number of rules including regular expressions, statistical analysis and custom services such as URL black lists. Each message is </a:t>
-            </a:r>
-            <a:r>
-              <a:rPr lang="en-US" sz="3200" dirty="0" err="1"/>
-              <a:t>analysed</a:t>
-            </a:r>
-            <a:r>
-              <a:rPr lang="en-US" sz="3200" dirty="0"/>
-              <a:t> by </a:t>
-            </a:r>
-            <a:r>
-              <a:rPr lang="en-US" sz="3200" dirty="0" err="1"/>
-              <a:t>Rspamd</a:t>
-            </a:r>
-            <a:r>
-              <a:rPr lang="en-US" sz="3200" dirty="0"/>
-              <a:t> and given a spam score.</a:t>
-            </a:r>
-          </a:p>
-          <a:p>
-            <a:r>
-              <a:rPr lang="en-US" sz="3200" dirty="0"/>
-              <a:t>According to this spam score and the user’s settings </a:t>
-            </a:r>
-            <a:r>
-              <a:rPr lang="en-US" sz="3200" dirty="0" err="1"/>
-              <a:t>Rspamd</a:t>
-            </a:r>
-            <a:r>
-              <a:rPr lang="en-US" sz="3200" dirty="0"/>
-              <a:t> recommends an action for the MTA to apply to the message: for example, to pass, to reject or to add a header. </a:t>
-            </a:r>
-          </a:p>
-          <a:p>
-            <a:r>
-              <a:rPr lang="en-US" sz="3200" dirty="0" err="1"/>
-              <a:t>Rspamd</a:t>
-            </a:r>
-            <a:r>
-              <a:rPr lang="en-US" sz="3200" dirty="0"/>
-              <a:t> is designed to process hundreds of messages per second simultaneously and has a number of features available.</a:t>
+            <a:pPr marL="0" indent="0">
+              <a:buNone/>
+            </a:pPr>
+            <a:r>
+              <a:rPr lang="en-US" dirty="0"/>
+              <a:t>These are solutions that can be installed on servers and provide Mail Gateway services</a:t>
+            </a:r>
+          </a:p>
+          <a:p>
+            <a:r>
+              <a:rPr lang="en-US" dirty="0"/>
+              <a:t>Software:</a:t>
+            </a:r>
+          </a:p>
+          <a:p>
+            <a:pPr lvl="1"/>
+            <a:r>
+              <a:rPr lang="en-US" dirty="0"/>
+              <a:t>Anti Spam SMTP Proxy - </a:t>
+            </a:r>
+            <a:r>
+              <a:rPr lang="en-US" dirty="0">
+                <a:hlinkClick r:id="rId2"/>
+              </a:rPr>
+              <a:t>http://en.wikipedia.org/wiki/Anti-Spam_SMTP_Proxy</a:t>
+            </a:r>
+            <a:r>
+              <a:rPr lang="en-US" dirty="0"/>
+              <a:t> </a:t>
+            </a:r>
+          </a:p>
+          <a:p>
+            <a:pPr lvl="1"/>
+            <a:r>
+              <a:rPr lang="en-US" dirty="0"/>
+              <a:t>Mail Border -  </a:t>
+            </a:r>
+            <a:r>
+              <a:rPr lang="en-US" dirty="0">
+                <a:hlinkClick r:id="rId3"/>
+              </a:rPr>
+              <a:t>http://www.mailborder.com/</a:t>
+            </a:r>
+            <a:r>
+              <a:rPr lang="en-US" dirty="0"/>
+              <a:t> </a:t>
+            </a:r>
+          </a:p>
+          <a:p>
+            <a:pPr lvl="1"/>
+            <a:r>
+              <a:rPr lang="en-US" dirty="0"/>
+              <a:t>ScrolloutF1 - </a:t>
+            </a:r>
+            <a:r>
+              <a:rPr lang="en-US" dirty="0">
+                <a:hlinkClick r:id="rId4"/>
+              </a:rPr>
+              <a:t>http://www.scrolloutf1.com/</a:t>
+            </a:r>
+            <a:r>
+              <a:rPr lang="en-US" dirty="0"/>
+              <a:t> </a:t>
+            </a:r>
+          </a:p>
+          <a:p>
+            <a:pPr lvl="1"/>
+            <a:r>
+              <a:rPr lang="en-US" dirty="0" err="1"/>
+              <a:t>Xeams</a:t>
+            </a:r>
+            <a:r>
+              <a:rPr lang="en-US" dirty="0"/>
+              <a:t> - </a:t>
+            </a:r>
+            <a:r>
+              <a:rPr lang="en-US" dirty="0">
+                <a:hlinkClick r:id="rId5"/>
+              </a:rPr>
+              <a:t>http://www.xeams.com/</a:t>
+            </a:r>
+            <a:r>
+              <a:rPr lang="en-US" dirty="0"/>
+              <a:t> </a:t>
+            </a:r>
+          </a:p>
+          <a:p>
+            <a:r>
+              <a:rPr lang="en-US" dirty="0"/>
+              <a:t>Hardware (</a:t>
+            </a:r>
+            <a:r>
+              <a:rPr lang="en-US" dirty="0" err="1"/>
+              <a:t>Blackbox</a:t>
+            </a:r>
+            <a:r>
+              <a:rPr lang="en-US" dirty="0"/>
+              <a:t>):</a:t>
+            </a:r>
+          </a:p>
+          <a:p>
+            <a:pPr lvl="1"/>
+            <a:r>
+              <a:rPr lang="en-US" dirty="0"/>
+              <a:t>Barracuda - </a:t>
+            </a:r>
+            <a:r>
+              <a:rPr lang="en-US" dirty="0">
+                <a:hlinkClick r:id="rId6"/>
+              </a:rPr>
+              <a:t>https://www.barracuda.com/products/emailsecuritygateway</a:t>
+            </a:r>
+            <a:r>
+              <a:rPr lang="en-US" dirty="0"/>
+              <a:t> </a:t>
             </a:r>
           </a:p>
         </p:txBody>
@@ -7313,7 +7449,7 @@
     </p:spTree>
     <p:extLst>
       <p:ext uri="{BB962C8B-B14F-4D97-AF65-F5344CB8AC3E}">
-        <p14:creationId xmlns:p14="http://schemas.microsoft.com/office/powerpoint/2010/main" val="3405809251"/>
+        <p14:creationId xmlns:p14="http://schemas.microsoft.com/office/powerpoint/2010/main" val="1732953090"/>
       </p:ext>
     </p:extLst>
   </p:cSld>
@@ -7345,7 +7481,7 @@
           <p:cNvPr id="2" name="Title 1">
             <a:extLst>
               <a:ext uri="{FF2B5EF4-FFF2-40B4-BE49-F238E27FC236}">
-                <a16:creationId xmlns:a16="http://schemas.microsoft.com/office/drawing/2014/main" id="{1E2E6131-56BD-744C-AE25-DF03D794CA2C}"/>
+                <a16:creationId xmlns:a16="http://schemas.microsoft.com/office/drawing/2014/main" id="{9BF4708C-CCC9-BD4C-A0D2-75896EBB1E94}"/>
               </a:ext>
             </a:extLst>
           </p:cNvPr>
@@ -7363,7 +7499,15 @@
           <a:p>
             <a:r>
               <a:rPr lang="en-US" b="1" dirty="0"/>
-              <a:t>What Can RSPAMD do?</a:t>
+              <a:t>What is </a:t>
+            </a:r>
+            <a:r>
+              <a:rPr lang="en-US" b="1" dirty="0" err="1"/>
+              <a:t>Rspamd</a:t>
+            </a:r>
+            <a:r>
+              <a:rPr lang="en-US" b="1" dirty="0"/>
+              <a:t>?</a:t>
             </a:r>
           </a:p>
         </p:txBody>
@@ -7373,7 +7517,7 @@
           <p:cNvPr id="3" name="Content Placeholder 2">
             <a:extLst>
               <a:ext uri="{FF2B5EF4-FFF2-40B4-BE49-F238E27FC236}">
-                <a16:creationId xmlns:a16="http://schemas.microsoft.com/office/drawing/2014/main" id="{561137AF-6F02-D348-BC53-6F25760C3A90}"/>
+                <a16:creationId xmlns:a16="http://schemas.microsoft.com/office/drawing/2014/main" id="{F51169F3-0A7A-5744-83D6-4966C68DC754}"/>
               </a:ext>
             </a:extLst>
           </p:cNvPr>
@@ -7384,46 +7528,61 @@
             <p:ph idx="1"/>
           </p:nvPr>
         </p:nvSpPr>
-        <p:spPr/>
-        <p:txBody>
-          <a:bodyPr/>
+        <p:spPr>
+          <a:xfrm>
+            <a:off x="838200" y="1475874"/>
+            <a:ext cx="10515600" cy="4989094"/>
+          </a:xfrm>
+        </p:spPr>
+        <p:txBody>
+          <a:bodyPr>
+            <a:noAutofit/>
+          </a:bodyPr>
           <a:lstStyle/>
           <a:p>
             <a:r>
-              <a:rPr lang="en-US" dirty="0">
-                <a:hlinkClick r:id="rId2"/>
-              </a:rPr>
-              <a:t>https://rspamd.com/features.html</a:t>
-            </a:r>
-            <a:r>
-              <a:rPr lang="en-US" dirty="0"/>
-              <a:t> </a:t>
-            </a:r>
-          </a:p>
-          <a:p>
-            <a:r>
-              <a:rPr lang="en-US" dirty="0"/>
-              <a:t>Check emails for DKIM, DMARC, SPF, IP Address reputation, </a:t>
-            </a:r>
-            <a:r>
-              <a:rPr lang="en-US" dirty="0" err="1"/>
-              <a:t>Greylisting</a:t>
-            </a:r>
-            <a:r>
-              <a:rPr lang="en-US" dirty="0"/>
-              <a:t>, Rate limiting and much more</a:t>
-            </a:r>
-          </a:p>
-          <a:p>
-            <a:r>
-              <a:rPr lang="en-US" dirty="0"/>
-              <a:t>Has a web interface for easy reports gathering</a:t>
-            </a:r>
-          </a:p>
-          <a:p>
-            <a:r>
-              <a:rPr lang="en-US" dirty="0"/>
-              <a:t>It works pretty well with default configuration but needs a lot of reading and testing to unlock its full potential</a:t>
+              <a:rPr lang="en-US" sz="3200" dirty="0"/>
+              <a:t>Its an advanced spam filtering system that allows evaluation of messages by a number of rules including regular expressions, statistical analysis and custom services such as URL black lists. Each message is </a:t>
+            </a:r>
+            <a:r>
+              <a:rPr lang="en-US" sz="3200" dirty="0" err="1"/>
+              <a:t>analysed</a:t>
+            </a:r>
+            <a:r>
+              <a:rPr lang="en-US" sz="3200" dirty="0"/>
+              <a:t> by </a:t>
+            </a:r>
+            <a:r>
+              <a:rPr lang="en-US" sz="3200" dirty="0" err="1"/>
+              <a:t>Rspamd</a:t>
+            </a:r>
+            <a:r>
+              <a:rPr lang="en-US" sz="3200" dirty="0"/>
+              <a:t> and given a spam score.</a:t>
+            </a:r>
+          </a:p>
+          <a:p>
+            <a:r>
+              <a:rPr lang="en-US" sz="3200" dirty="0"/>
+              <a:t>According to this spam score and the user’s settings </a:t>
+            </a:r>
+            <a:r>
+              <a:rPr lang="en-US" sz="3200" dirty="0" err="1"/>
+              <a:t>Rspamd</a:t>
+            </a:r>
+            <a:r>
+              <a:rPr lang="en-US" sz="3200" dirty="0"/>
+              <a:t> recommends an action for the MTA to apply to the message: for example, to pass, to reject or to add a header. </a:t>
+            </a:r>
+          </a:p>
+          <a:p>
+            <a:r>
+              <a:rPr lang="en-US" sz="3200" dirty="0" err="1"/>
+              <a:t>Rspamd</a:t>
+            </a:r>
+            <a:r>
+              <a:rPr lang="en-US" sz="3200" dirty="0"/>
+              <a:t> is designed to process hundreds of messages per second simultaneously and has a number of features available.</a:t>
             </a:r>
           </a:p>
         </p:txBody>
@@ -7431,7 +7590,7 @@
     </p:spTree>
     <p:extLst>
       <p:ext uri="{BB962C8B-B14F-4D97-AF65-F5344CB8AC3E}">
-        <p14:creationId xmlns:p14="http://schemas.microsoft.com/office/powerpoint/2010/main" val="970019835"/>
+        <p14:creationId xmlns:p14="http://schemas.microsoft.com/office/powerpoint/2010/main" val="3405809251"/>
       </p:ext>
     </p:extLst>
   </p:cSld>
